--- a/slides/00_course_intro.pptx
+++ b/slides/00_course_intro.pptx
@@ -5,14 +5,15 @@
     <p:sldMasterId id="2147483723" r:id="rId1"/>
   </p:sldMasterIdLst>
   <p:notesMasterIdLst>
-    <p:notesMasterId r:id="rId7"/>
+    <p:notesMasterId r:id="rId8"/>
   </p:notesMasterIdLst>
   <p:sldIdLst>
     <p:sldId id="746" r:id="rId2"/>
     <p:sldId id="747" r:id="rId3"/>
-    <p:sldId id="748" r:id="rId4"/>
-    <p:sldId id="749" r:id="rId5"/>
+    <p:sldId id="749" r:id="rId4"/>
+    <p:sldId id="748" r:id="rId5"/>
     <p:sldId id="750" r:id="rId6"/>
+    <p:sldId id="751" r:id="rId7"/>
   </p:sldIdLst>
   <p:sldSz cx="9144000" cy="6858000" type="screen4x3"/>
   <p:notesSz cx="7315200" cy="9601200"/>
@@ -7787,10 +7788,10 @@
       </p:grpSpPr>
       <p:sp useBgFill="1">
         <p:nvSpPr>
-          <p:cNvPr id="11" name="Rectangle 10">
+          <p:cNvPr id="8" name="Rectangle 7">
             <a:extLst>
               <a:ext uri="{FF2B5EF4-FFF2-40B4-BE49-F238E27FC236}">
-                <a16:creationId xmlns:a16="http://schemas.microsoft.com/office/drawing/2014/main" id="{BACC6370-2D7E-4714-9D71-7542949D7D5D}"/>
+                <a16:creationId xmlns:a16="http://schemas.microsoft.com/office/drawing/2014/main" id="{1B15ED52-F352-441B-82BF-E0EA34836D08}"/>
               </a:ext>
               <a:ext uri="{C183D7F6-B498-43B3-948B-1728B52AA6E4}">
                 <adec:decorative xmlns:adec="http://schemas.microsoft.com/office/drawing/2017/decorative" val="1"/>
@@ -7863,6 +7864,594 @@
       </p:sp>
       <p:sp>
         <p:nvSpPr>
+          <p:cNvPr id="10" name="Rectangle 9">
+            <a:extLst>
+              <a:ext uri="{FF2B5EF4-FFF2-40B4-BE49-F238E27FC236}">
+                <a16:creationId xmlns:a16="http://schemas.microsoft.com/office/drawing/2014/main" id="{3B2E3793-BFE6-45A2-9B7B-E18844431C99}"/>
+              </a:ext>
+              <a:ext uri="{C183D7F6-B498-43B3-948B-1728B52AA6E4}">
+                <adec:decorative xmlns:adec="http://schemas.microsoft.com/office/drawing/2017/decorative" val="1"/>
+              </a:ext>
+            </a:extLst>
+          </p:cNvPr>
+          <p:cNvSpPr>
+            <a:spLocks noGrp="1" noRot="1" noChangeAspect="1" noMove="1" noResize="1" noEditPoints="1" noAdjustHandles="1" noChangeArrowheads="1" noChangeShapeType="1" noTextEdit="1"/>
+          </p:cNvSpPr>
+          <p:nvPr>
+            <p:extLst>
+              <p:ext uri="{386F3935-93C4-4BCD-93E2-E3B085C9AB24}">
+                <p16:designElem xmlns:p16="http://schemas.microsoft.com/office/powerpoint/2015/main" val="1"/>
+              </p:ext>
+            </p:extLst>
+          </p:nvPr>
+        </p:nvSpPr>
+        <p:spPr>
+          <a:xfrm flipH="1">
+            <a:off x="0" y="-1"/>
+            <a:ext cx="9143997" cy="1590742"/>
+          </a:xfrm>
+          <a:prstGeom prst="rect">
+            <a:avLst/>
+          </a:prstGeom>
+          <a:gradFill>
+            <a:gsLst>
+              <a:gs pos="0">
+                <a:srgbClr val="000000"/>
+              </a:gs>
+              <a:gs pos="100000">
+                <a:schemeClr val="accent1">
+                  <a:lumMod val="75000"/>
+                </a:schemeClr>
+              </a:gs>
+            </a:gsLst>
+            <a:lin ang="8400000" scaled="0"/>
+          </a:gradFill>
+          <a:ln>
+            <a:noFill/>
+          </a:ln>
+        </p:spPr>
+        <p:style>
+          <a:lnRef idx="2">
+            <a:schemeClr val="accent1">
+              <a:shade val="50000"/>
+            </a:schemeClr>
+          </a:lnRef>
+          <a:fillRef idx="1">
+            <a:schemeClr val="accent1"/>
+          </a:fillRef>
+          <a:effectRef idx="0">
+            <a:schemeClr val="accent1"/>
+          </a:effectRef>
+          <a:fontRef idx="minor">
+            <a:schemeClr val="lt1"/>
+          </a:fontRef>
+        </p:style>
+        <p:txBody>
+          <a:bodyPr rtlCol="0" anchor="ctr"/>
+          <a:lstStyle/>
+          <a:p>
+            <a:pPr algn="ctr"/>
+            <a:endParaRPr lang="en-US"/>
+          </a:p>
+        </p:txBody>
+      </p:sp>
+      <p:sp>
+        <p:nvSpPr>
+          <p:cNvPr id="12" name="Rectangle 11">
+            <a:extLst>
+              <a:ext uri="{FF2B5EF4-FFF2-40B4-BE49-F238E27FC236}">
+                <a16:creationId xmlns:a16="http://schemas.microsoft.com/office/drawing/2014/main" id="{BC4C4868-CB8F-4AF9-9CDB-8108F2C19B67}"/>
+              </a:ext>
+              <a:ext uri="{C183D7F6-B498-43B3-948B-1728B52AA6E4}">
+                <adec:decorative xmlns:adec="http://schemas.microsoft.com/office/drawing/2017/decorative" val="1"/>
+              </a:ext>
+            </a:extLst>
+          </p:cNvPr>
+          <p:cNvSpPr>
+            <a:spLocks noGrp="1" noRot="1" noChangeAspect="1" noMove="1" noResize="1" noEditPoints="1" noAdjustHandles="1" noChangeArrowheads="1" noChangeShapeType="1" noTextEdit="1"/>
+          </p:cNvSpPr>
+          <p:nvPr>
+            <p:extLst>
+              <p:ext uri="{386F3935-93C4-4BCD-93E2-E3B085C9AB24}">
+                <p16:designElem xmlns:p16="http://schemas.microsoft.com/office/powerpoint/2015/main" val="1"/>
+              </p:ext>
+            </p:extLst>
+          </p:nvPr>
+        </p:nvSpPr>
+        <p:spPr>
+          <a:xfrm rot="10800000" flipH="1">
+            <a:off x="-2" y="0"/>
+            <a:ext cx="6086479" cy="1590742"/>
+          </a:xfrm>
+          <a:prstGeom prst="rect">
+            <a:avLst/>
+          </a:prstGeom>
+          <a:gradFill>
+            <a:gsLst>
+              <a:gs pos="20000">
+                <a:schemeClr val="accent1">
+                  <a:alpha val="0"/>
+                </a:schemeClr>
+              </a:gs>
+              <a:gs pos="100000">
+                <a:schemeClr val="accent1">
+                  <a:lumMod val="50000"/>
+                  <a:alpha val="55000"/>
+                </a:schemeClr>
+              </a:gs>
+            </a:gsLst>
+            <a:lin ang="13800000" scaled="0"/>
+          </a:gradFill>
+          <a:ln>
+            <a:noFill/>
+          </a:ln>
+        </p:spPr>
+        <p:style>
+          <a:lnRef idx="2">
+            <a:schemeClr val="accent1">
+              <a:shade val="50000"/>
+            </a:schemeClr>
+          </a:lnRef>
+          <a:fillRef idx="1">
+            <a:schemeClr val="accent1"/>
+          </a:fillRef>
+          <a:effectRef idx="0">
+            <a:schemeClr val="accent1"/>
+          </a:effectRef>
+          <a:fontRef idx="minor">
+            <a:schemeClr val="lt1"/>
+          </a:fontRef>
+        </p:style>
+        <p:txBody>
+          <a:bodyPr rtlCol="0" anchor="ctr"/>
+          <a:lstStyle/>
+          <a:p>
+            <a:pPr algn="ctr"/>
+            <a:endParaRPr lang="en-US"/>
+          </a:p>
+        </p:txBody>
+      </p:sp>
+      <p:sp>
+        <p:nvSpPr>
+          <p:cNvPr id="14" name="Rectangle 13">
+            <a:extLst>
+              <a:ext uri="{FF2B5EF4-FFF2-40B4-BE49-F238E27FC236}">
+                <a16:creationId xmlns:a16="http://schemas.microsoft.com/office/drawing/2014/main" id="{375E0459-6403-40CD-989D-56A4407CA12E}"/>
+              </a:ext>
+              <a:ext uri="{C183D7F6-B498-43B3-948B-1728B52AA6E4}">
+                <adec:decorative xmlns:adec="http://schemas.microsoft.com/office/drawing/2017/decorative" val="1"/>
+              </a:ext>
+            </a:extLst>
+          </p:cNvPr>
+          <p:cNvSpPr>
+            <a:spLocks noGrp="1" noRot="1" noChangeAspect="1" noMove="1" noResize="1" noEditPoints="1" noAdjustHandles="1" noChangeArrowheads="1" noChangeShapeType="1" noTextEdit="1"/>
+          </p:cNvSpPr>
+          <p:nvPr>
+            <p:extLst>
+              <p:ext uri="{386F3935-93C4-4BCD-93E2-E3B085C9AB24}">
+                <p16:designElem xmlns:p16="http://schemas.microsoft.com/office/powerpoint/2015/main" val="1"/>
+              </p:ext>
+            </p:extLst>
+          </p:nvPr>
+        </p:nvSpPr>
+        <p:spPr>
+          <a:xfrm flipH="1">
+            <a:off x="6086474" y="-1"/>
+            <a:ext cx="3057523" cy="1590742"/>
+          </a:xfrm>
+          <a:prstGeom prst="rect">
+            <a:avLst/>
+          </a:prstGeom>
+          <a:gradFill>
+            <a:gsLst>
+              <a:gs pos="0">
+                <a:schemeClr val="accent1">
+                  <a:alpha val="66000"/>
+                </a:schemeClr>
+              </a:gs>
+              <a:gs pos="100000">
+                <a:srgbClr val="000000">
+                  <a:alpha val="30000"/>
+                </a:srgbClr>
+              </a:gs>
+            </a:gsLst>
+            <a:lin ang="13200000" scaled="0"/>
+          </a:gradFill>
+          <a:ln>
+            <a:noFill/>
+          </a:ln>
+        </p:spPr>
+        <p:style>
+          <a:lnRef idx="2">
+            <a:schemeClr val="accent1">
+              <a:shade val="50000"/>
+            </a:schemeClr>
+          </a:lnRef>
+          <a:fillRef idx="1">
+            <a:schemeClr val="accent1"/>
+          </a:fillRef>
+          <a:effectRef idx="0">
+            <a:schemeClr val="accent1"/>
+          </a:effectRef>
+          <a:fontRef idx="minor">
+            <a:schemeClr val="lt1"/>
+          </a:fontRef>
+        </p:style>
+        <p:txBody>
+          <a:bodyPr rtlCol="0" anchor="ctr"/>
+          <a:lstStyle/>
+          <a:p>
+            <a:pPr algn="ctr"/>
+            <a:endParaRPr lang="en-US"/>
+          </a:p>
+        </p:txBody>
+      </p:sp>
+      <p:sp>
+        <p:nvSpPr>
+          <p:cNvPr id="16" name="Rectangle 15">
+            <a:extLst>
+              <a:ext uri="{FF2B5EF4-FFF2-40B4-BE49-F238E27FC236}">
+                <a16:creationId xmlns:a16="http://schemas.microsoft.com/office/drawing/2014/main" id="{53E5B1A8-3AC9-4BD1-9BBC-78CA94F2D1BA}"/>
+              </a:ext>
+              <a:ext uri="{C183D7F6-B498-43B3-948B-1728B52AA6E4}">
+                <adec:decorative xmlns:adec="http://schemas.microsoft.com/office/drawing/2017/decorative" val="1"/>
+              </a:ext>
+            </a:extLst>
+          </p:cNvPr>
+          <p:cNvSpPr>
+            <a:spLocks noGrp="1" noRot="1" noChangeAspect="1" noMove="1" noResize="1" noEditPoints="1" noAdjustHandles="1" noChangeArrowheads="1" noChangeShapeType="1" noTextEdit="1"/>
+          </p:cNvSpPr>
+          <p:nvPr>
+            <p:extLst>
+              <p:ext uri="{386F3935-93C4-4BCD-93E2-E3B085C9AB24}">
+                <p16:designElem xmlns:p16="http://schemas.microsoft.com/office/powerpoint/2015/main" val="1"/>
+              </p:ext>
+            </p:extLst>
+          </p:nvPr>
+        </p:nvSpPr>
+        <p:spPr>
+          <a:xfrm>
+            <a:off x="344512" y="-1"/>
+            <a:ext cx="8799485" cy="1597433"/>
+          </a:xfrm>
+          <a:prstGeom prst="rect">
+            <a:avLst/>
+          </a:prstGeom>
+          <a:gradFill>
+            <a:gsLst>
+              <a:gs pos="50000">
+                <a:srgbClr val="000000">
+                  <a:alpha val="0"/>
+                </a:srgbClr>
+              </a:gs>
+              <a:gs pos="99000">
+                <a:schemeClr val="accent1">
+                  <a:lumMod val="50000"/>
+                  <a:alpha val="52000"/>
+                </a:schemeClr>
+              </a:gs>
+            </a:gsLst>
+            <a:lin ang="16800000" scaled="0"/>
+          </a:gradFill>
+          <a:ln>
+            <a:noFill/>
+          </a:ln>
+        </p:spPr>
+        <p:style>
+          <a:lnRef idx="2">
+            <a:schemeClr val="accent1">
+              <a:shade val="50000"/>
+            </a:schemeClr>
+          </a:lnRef>
+          <a:fillRef idx="1">
+            <a:schemeClr val="accent1"/>
+          </a:fillRef>
+          <a:effectRef idx="0">
+            <a:schemeClr val="accent1"/>
+          </a:effectRef>
+          <a:fontRef idx="minor">
+            <a:schemeClr val="lt1"/>
+          </a:fontRef>
+        </p:style>
+        <p:txBody>
+          <a:bodyPr rtlCol="0" anchor="ctr"/>
+          <a:lstStyle/>
+          <a:p>
+            <a:pPr algn="ctr"/>
+            <a:endParaRPr lang="en-US"/>
+          </a:p>
+        </p:txBody>
+      </p:sp>
+      <p:sp>
+        <p:nvSpPr>
+          <p:cNvPr id="2" name="Title 1">
+            <a:extLst>
+              <a:ext uri="{FF2B5EF4-FFF2-40B4-BE49-F238E27FC236}">
+                <a16:creationId xmlns:a16="http://schemas.microsoft.com/office/drawing/2014/main" id="{660C5A96-4B7A-E8F3-E069-EDD488A5949B}"/>
+              </a:ext>
+            </a:extLst>
+          </p:cNvPr>
+          <p:cNvSpPr>
+            <a:spLocks noGrp="1"/>
+          </p:cNvSpPr>
+          <p:nvPr>
+            <p:ph type="title"/>
+          </p:nvPr>
+        </p:nvSpPr>
+        <p:spPr>
+          <a:xfrm>
+            <a:off x="1028699" y="294538"/>
+            <a:ext cx="7421963" cy="1033669"/>
+          </a:xfrm>
+        </p:spPr>
+        <p:txBody>
+          <a:bodyPr>
+            <a:normAutofit/>
+          </a:bodyPr>
+          <a:lstStyle/>
+          <a:p>
+            <a:r>
+              <a:rPr lang="en-US" sz="3500" dirty="0">
+                <a:solidFill>
+                  <a:srgbClr val="FFFFFF"/>
+                </a:solidFill>
+              </a:rPr>
+              <a:t>Course Learning Outcomes</a:t>
+            </a:r>
+          </a:p>
+        </p:txBody>
+      </p:sp>
+      <p:sp>
+        <p:nvSpPr>
+          <p:cNvPr id="3" name="Content Placeholder 2">
+            <a:extLst>
+              <a:ext uri="{FF2B5EF4-FFF2-40B4-BE49-F238E27FC236}">
+                <a16:creationId xmlns:a16="http://schemas.microsoft.com/office/drawing/2014/main" id="{FBC2CDE2-EAC3-D86D-779E-D8D74B4B756F}"/>
+              </a:ext>
+            </a:extLst>
+          </p:cNvPr>
+          <p:cNvSpPr>
+            <a:spLocks noGrp="1"/>
+          </p:cNvSpPr>
+          <p:nvPr>
+            <p:ph idx="1"/>
+          </p:nvPr>
+        </p:nvSpPr>
+        <p:spPr>
+          <a:xfrm>
+            <a:off x="1028699" y="2318197"/>
+            <a:ext cx="7293023" cy="3683358"/>
+          </a:xfrm>
+        </p:spPr>
+        <p:txBody>
+          <a:bodyPr anchor="ctr">
+            <a:normAutofit/>
+          </a:bodyPr>
+          <a:lstStyle/>
+          <a:p>
+            <a:r>
+              <a:rPr lang="en-US" sz="1700" dirty="0"/>
+              <a:t>CLO 1: </a:t>
+            </a:r>
+            <a:r>
+              <a:rPr lang="en-US" sz="1700" b="1" dirty="0"/>
+              <a:t>Define</a:t>
+            </a:r>
+            <a:r>
+              <a:rPr lang="en-US" sz="1700" dirty="0"/>
+              <a:t> what </a:t>
+            </a:r>
+            <a:r>
+              <a:rPr lang="en-US" sz="1700" b="1" dirty="0"/>
+              <a:t>artificial intelligence </a:t>
+            </a:r>
+            <a:r>
+              <a:rPr lang="en-US" sz="1700" dirty="0"/>
+              <a:t>(AI) is and explain how it is used.</a:t>
+            </a:r>
+          </a:p>
+          <a:p>
+            <a:r>
+              <a:rPr lang="en-US" sz="1700" dirty="0"/>
+              <a:t>CLO 2: Identify </a:t>
+            </a:r>
+            <a:r>
+              <a:rPr lang="en-US" sz="1700" b="1" dirty="0"/>
+              <a:t>ethical and security issues </a:t>
+            </a:r>
+            <a:r>
+              <a:rPr lang="en-US" sz="1700" dirty="0"/>
+              <a:t>with artificial intelligence applications.</a:t>
+            </a:r>
+          </a:p>
+          <a:p>
+            <a:r>
+              <a:rPr lang="en-US" sz="1700" dirty="0"/>
+              <a:t>CLO 3: Define </a:t>
+            </a:r>
+            <a:r>
+              <a:rPr lang="en-US" sz="1700" b="1" dirty="0"/>
+              <a:t>intelligent agents </a:t>
+            </a:r>
+            <a:r>
+              <a:rPr lang="en-US" sz="1700" dirty="0"/>
+              <a:t>and explain how they interact with their environment.</a:t>
+            </a:r>
+          </a:p>
+          <a:p>
+            <a:r>
+              <a:rPr lang="en-US" sz="1700" dirty="0"/>
+              <a:t>CLO 4: Apply </a:t>
+            </a:r>
+            <a:r>
+              <a:rPr lang="en-US" sz="1700" b="1" dirty="0"/>
+              <a:t>search</a:t>
+            </a:r>
+            <a:r>
+              <a:rPr lang="en-US" sz="1700" dirty="0"/>
+              <a:t> to create agents that can perform simple tasks.</a:t>
+            </a:r>
+          </a:p>
+          <a:p>
+            <a:r>
+              <a:rPr lang="en-US" sz="1700" dirty="0"/>
+              <a:t>CLO 5: Explain how </a:t>
+            </a:r>
+            <a:r>
+              <a:rPr lang="en-US" sz="1700" b="1" dirty="0"/>
+              <a:t>knowledge-based agents </a:t>
+            </a:r>
+            <a:r>
+              <a:rPr lang="en-US" sz="1700" dirty="0"/>
+              <a:t>make decisions.</a:t>
+            </a:r>
+          </a:p>
+          <a:p>
+            <a:r>
+              <a:rPr lang="en-US" sz="1700" dirty="0"/>
+              <a:t>CLO 6: Explain how </a:t>
+            </a:r>
+            <a:r>
+              <a:rPr lang="en-US" sz="1700" b="1" dirty="0"/>
+              <a:t>probabilistic reasoning </a:t>
+            </a:r>
+            <a:r>
+              <a:rPr lang="en-US" sz="1700" dirty="0"/>
+              <a:t>is used by agents to make decisions under uncertainty.</a:t>
+            </a:r>
+          </a:p>
+          <a:p>
+            <a:r>
+              <a:rPr lang="en-US" sz="1700" dirty="0"/>
+              <a:t>CLO 7: Apply </a:t>
+            </a:r>
+            <a:r>
+              <a:rPr lang="en-US" sz="1700" b="1" dirty="0"/>
+              <a:t>machine learning </a:t>
+            </a:r>
+            <a:r>
+              <a:rPr lang="en-US" sz="1700" dirty="0"/>
+              <a:t>to different components of an intelligent agent.</a:t>
+            </a:r>
+          </a:p>
+        </p:txBody>
+      </p:sp>
+    </p:spTree>
+    <p:extLst>
+      <p:ext uri="{BB962C8B-B14F-4D97-AF65-F5344CB8AC3E}">
+        <p14:creationId xmlns:p14="http://schemas.microsoft.com/office/powerpoint/2010/main" val="105614613"/>
+      </p:ext>
+    </p:extLst>
+  </p:cSld>
+  <p:clrMapOvr>
+    <a:masterClrMapping/>
+  </p:clrMapOvr>
+</p:sld>
+</file>
+
+<file path=ppt/slides/slide4.xml><?xml version="1.0" encoding="utf-8"?>
+<p:sld xmlns:a="http://schemas.openxmlformats.org/drawingml/2006/main" xmlns:r="http://schemas.openxmlformats.org/officeDocument/2006/relationships" xmlns:p="http://schemas.openxmlformats.org/presentationml/2006/main">
+  <p:cSld>
+    <p:bg>
+      <p:bgPr>
+        <a:solidFill>
+          <a:schemeClr val="bg1"/>
+        </a:solidFill>
+        <a:effectLst/>
+      </p:bgPr>
+    </p:bg>
+    <p:spTree>
+      <p:nvGrpSpPr>
+        <p:cNvPr id="1" name=""/>
+        <p:cNvGrpSpPr/>
+        <p:nvPr/>
+      </p:nvGrpSpPr>
+      <p:grpSpPr>
+        <a:xfrm>
+          <a:off x="0" y="0"/>
+          <a:ext cx="0" cy="0"/>
+          <a:chOff x="0" y="0"/>
+          <a:chExt cx="0" cy="0"/>
+        </a:xfrm>
+      </p:grpSpPr>
+      <p:sp useBgFill="1">
+        <p:nvSpPr>
+          <p:cNvPr id="11" name="Rectangle 10">
+            <a:extLst>
+              <a:ext uri="{FF2B5EF4-FFF2-40B4-BE49-F238E27FC236}">
+                <a16:creationId xmlns:a16="http://schemas.microsoft.com/office/drawing/2014/main" id="{BACC6370-2D7E-4714-9D71-7542949D7D5D}"/>
+              </a:ext>
+              <a:ext uri="{C183D7F6-B498-43B3-948B-1728B52AA6E4}">
+                <adec:decorative xmlns:adec="http://schemas.microsoft.com/office/drawing/2017/decorative" val="1"/>
+              </a:ext>
+            </a:extLst>
+          </p:cNvPr>
+          <p:cNvSpPr>
+            <a:spLocks noGrp="1" noRot="1" noChangeAspect="1" noMove="1" noResize="1" noEditPoints="1" noAdjustHandles="1" noChangeArrowheads="1" noChangeShapeType="1" noTextEdit="1"/>
+          </p:cNvSpPr>
+          <p:nvPr>
+            <p:extLst>
+              <p:ext uri="{386F3935-93C4-4BCD-93E2-E3B085C9AB24}">
+                <p16:designElem xmlns:p16="http://schemas.microsoft.com/office/powerpoint/2015/main" val="1"/>
+              </p:ext>
+            </p:extLst>
+          </p:nvPr>
+        </p:nvSpPr>
+        <p:spPr>
+          <a:xfrm>
+            <a:off x="0" y="0"/>
+            <a:ext cx="9144000" cy="6858000"/>
+          </a:xfrm>
+          <a:prstGeom prst="rect">
+            <a:avLst/>
+          </a:prstGeom>
+          <a:ln w="12700" cap="flat" cmpd="sng" algn="ctr">
+            <a:noFill/>
+            <a:prstDash val="solid"/>
+            <a:miter lim="800000"/>
+          </a:ln>
+          <a:effectLst/>
+          <a:extLst>
+            <a:ext uri="{91240B29-F687-4F45-9708-019B960494DF}">
+              <a14:hiddenLine xmlns:a14="http://schemas.microsoft.com/office/drawing/2010/main" w="12700" cap="flat" cmpd="sng" algn="ctr">
+                <a:solidFill>
+                  <a:schemeClr val="accent1">
+                    <a:shade val="50000"/>
+                  </a:schemeClr>
+                </a:solidFill>
+                <a:prstDash val="solid"/>
+                <a:miter lim="800000"/>
+              </a14:hiddenLine>
+            </a:ext>
+          </a:extLst>
+        </p:spPr>
+        <p:style>
+          <a:lnRef idx="2">
+            <a:schemeClr val="accent1">
+              <a:shade val="50000"/>
+            </a:schemeClr>
+          </a:lnRef>
+          <a:fillRef idx="1">
+            <a:schemeClr val="accent1"/>
+          </a:fillRef>
+          <a:effectRef idx="0">
+            <a:schemeClr val="accent1"/>
+          </a:effectRef>
+          <a:fontRef idx="minor">
+            <a:schemeClr val="lt1"/>
+          </a:fontRef>
+        </p:style>
+        <p:txBody>
+          <a:bodyPr rtlCol="0" anchor="ctr"/>
+          <a:lstStyle/>
+          <a:p>
+            <a:pPr algn="ctr"/>
+            <a:endParaRPr lang="en-US"/>
+          </a:p>
+        </p:txBody>
+      </p:sp>
+      <p:sp>
+        <p:nvSpPr>
           <p:cNvPr id="13" name="Rectangle 12">
             <a:extLst>
               <a:ext uri="{FF2B5EF4-FFF2-40B4-BE49-F238E27FC236}">
@@ -8205,7 +8794,7 @@
 </p:sld>
 </file>
 
-<file path=ppt/slides/slide4.xml><?xml version="1.0" encoding="utf-8"?>
+<file path=ppt/slides/slide5.xml><?xml version="1.0" encoding="utf-8"?>
 <p:sld xmlns:a="http://schemas.openxmlformats.org/drawingml/2006/main" xmlns:r="http://schemas.openxmlformats.org/officeDocument/2006/relationships" xmlns:p="http://schemas.openxmlformats.org/presentationml/2006/main">
   <p:cSld>
     <p:bg>
@@ -8218,7 +8807,13 @@
     </p:bg>
     <p:spTree>
       <p:nvGrpSpPr>
-        <p:cNvPr id="1" name=""/>
+        <p:cNvPr id="1" name="">
+          <a:extLst>
+            <a:ext uri="{FF2B5EF4-FFF2-40B4-BE49-F238E27FC236}">
+              <a16:creationId xmlns:a16="http://schemas.microsoft.com/office/drawing/2014/main" id="{F7A71C4C-2324-AB3D-B679-1F56AE7033E6}"/>
+            </a:ext>
+          </a:extLst>
+        </p:cNvPr>
         <p:cNvGrpSpPr/>
         <p:nvPr/>
       </p:nvGrpSpPr>
@@ -8611,7 +9206,7 @@
           <p:cNvPr id="2" name="Title 1">
             <a:extLst>
               <a:ext uri="{FF2B5EF4-FFF2-40B4-BE49-F238E27FC236}">
-                <a16:creationId xmlns:a16="http://schemas.microsoft.com/office/drawing/2014/main" id="{660C5A96-4B7A-E8F3-E069-EDD488A5949B}"/>
+                <a16:creationId xmlns:a16="http://schemas.microsoft.com/office/drawing/2014/main" id="{503B741C-4158-6F7F-5C3D-EF416E78A992}"/>
               </a:ext>
             </a:extLst>
           </p:cNvPr>
@@ -8640,7 +9235,7 @@
                   <a:srgbClr val="FFFFFF"/>
                 </a:solidFill>
               </a:rPr>
-              <a:t>Course Learning Outcomes</a:t>
+              <a:t>Course Mechanics</a:t>
             </a:r>
           </a:p>
         </p:txBody>
@@ -8650,7 +9245,7 @@
           <p:cNvPr id="3" name="Content Placeholder 2">
             <a:extLst>
               <a:ext uri="{FF2B5EF4-FFF2-40B4-BE49-F238E27FC236}">
-                <a16:creationId xmlns:a16="http://schemas.microsoft.com/office/drawing/2014/main" id="{FBC2CDE2-EAC3-D86D-779E-D8D74B4B756F}"/>
+                <a16:creationId xmlns:a16="http://schemas.microsoft.com/office/drawing/2014/main" id="{BB3C8F96-FE6A-3011-92DF-7C65CE28F189}"/>
               </a:ext>
             </a:extLst>
           </p:cNvPr>
@@ -8674,44 +9269,60 @@
           <a:lstStyle/>
           <a:p>
             <a:r>
+              <a:rPr lang="en-US" sz="1700" b="1" dirty="0"/>
+              <a:t>Office hours</a:t>
+            </a:r>
+            <a:r>
               <a:rPr lang="en-US" sz="1700" dirty="0"/>
-              <a:t>CLO 1: Define what artificial intelligence (AI) is and explain how it is used.</a:t>
-            </a:r>
-          </a:p>
-          <a:p>
+              <a:t>: </a:t>
+            </a:r>
+          </a:p>
+          <a:p>
+            <a:pPr lvl="1"/>
+            <a:r>
+              <a:rPr lang="en-US" sz="1300" dirty="0"/>
+              <a:t>My office hours can be found on my home page.</a:t>
+            </a:r>
+          </a:p>
+          <a:p>
+            <a:pPr lvl="1"/>
+            <a:r>
+              <a:rPr lang="en-US" sz="1300" dirty="0"/>
+              <a:t>Weekly TA office hours will be done using Zoom. The time and the link will be on Canvas soon.</a:t>
+            </a:r>
+          </a:p>
+          <a:p>
+            <a:r>
+              <a:rPr lang="en-US" sz="1700" b="1" dirty="0"/>
+              <a:t>Communication</a:t>
+            </a:r>
             <a:r>
               <a:rPr lang="en-US" sz="1700" dirty="0"/>
-              <a:t>CLO 2: Identify ethical and security issues with artificial intelligence applications.</a:t>
+              <a:t>: Use Canvas messages and leave comments for assignments.</a:t>
             </a:r>
           </a:p>
           <a:p>
             <a:r>
               <a:rPr lang="en-US" sz="1700" dirty="0"/>
-              <a:t>CLO 3: Define intelligent agents and explain how they interact with their environment.</a:t>
-            </a:r>
-          </a:p>
-          <a:p>
+              <a:t> </a:t>
+            </a:r>
+            <a:r>
+              <a:rPr lang="en-US" sz="1700" b="1" dirty="0"/>
+              <a:t>Assignment Grading</a:t>
+            </a:r>
             <a:r>
               <a:rPr lang="en-US" sz="1700" dirty="0"/>
-              <a:t>CLO 4: Apply search to create agents that can perform simple tasks.</a:t>
-            </a:r>
-          </a:p>
-          <a:p>
+              <a:t>: The TA will grade assignments and problem sets. Please contact the TA (e.g., during office hours or by leaving a comment) to discuss your assignment and grade.</a:t>
+            </a:r>
+          </a:p>
+          <a:p>
+            <a:r>
+              <a:rPr lang="en-US" sz="1700" b="1" dirty="0"/>
+              <a:t>Final Grade</a:t>
+            </a:r>
             <a:r>
               <a:rPr lang="en-US" sz="1700" dirty="0"/>
-              <a:t>CLO 5: Explain how knowledge-based agents make decisions.</a:t>
-            </a:r>
-          </a:p>
-          <a:p>
-            <a:r>
-              <a:rPr lang="en-US" sz="1700" dirty="0"/>
-              <a:t>CLO 6: Explain how probabilistic reasoning is used by agents to make decisions under uncertainty.</a:t>
-            </a:r>
-          </a:p>
-          <a:p>
-            <a:r>
-              <a:rPr lang="en-US" sz="1700" dirty="0"/>
-              <a:t>CLO 7: Apply machine learning to different components of an intelligent agent.</a:t>
+              <a:t>: The calculated grade on Canvas serves as a rough guide. I will assign your final grade at the end of the semester.</a:t>
             </a:r>
           </a:p>
         </p:txBody>
@@ -8719,7 +9330,7 @@
     </p:spTree>
     <p:extLst>
       <p:ext uri="{BB962C8B-B14F-4D97-AF65-F5344CB8AC3E}">
-        <p14:creationId xmlns:p14="http://schemas.microsoft.com/office/powerpoint/2010/main" val="105614613"/>
+        <p14:creationId xmlns:p14="http://schemas.microsoft.com/office/powerpoint/2010/main" val="211582762"/>
       </p:ext>
     </p:extLst>
   </p:cSld>
@@ -8729,7 +9340,7 @@
 </p:sld>
 </file>
 
-<file path=ppt/slides/slide5.xml><?xml version="1.0" encoding="utf-8"?>
+<file path=ppt/slides/slide6.xml><?xml version="1.0" encoding="utf-8"?>
 <p:sld xmlns:a="http://schemas.openxmlformats.org/drawingml/2006/main" xmlns:r="http://schemas.openxmlformats.org/officeDocument/2006/relationships" xmlns:p="http://schemas.openxmlformats.org/presentationml/2006/main">
   <p:cSld>
     <p:bg>
@@ -8745,7 +9356,7 @@
         <p:cNvPr id="1" name="">
           <a:extLst>
             <a:ext uri="{FF2B5EF4-FFF2-40B4-BE49-F238E27FC236}">
-              <a16:creationId xmlns:a16="http://schemas.microsoft.com/office/drawing/2014/main" id="{F7A71C4C-2324-AB3D-B679-1F56AE7033E6}"/>
+              <a16:creationId xmlns:a16="http://schemas.microsoft.com/office/drawing/2014/main" id="{BCB229DA-48F6-FBBE-3A7E-639C8CF6D5F2}"/>
             </a:ext>
           </a:extLst>
         </p:cNvPr>
@@ -9141,7 +9752,7 @@
           <p:cNvPr id="2" name="Title 1">
             <a:extLst>
               <a:ext uri="{FF2B5EF4-FFF2-40B4-BE49-F238E27FC236}">
-                <a16:creationId xmlns:a16="http://schemas.microsoft.com/office/drawing/2014/main" id="{503B741C-4158-6F7F-5C3D-EF416E78A992}"/>
+                <a16:creationId xmlns:a16="http://schemas.microsoft.com/office/drawing/2014/main" id="{D9997A4A-88E4-B1ED-B8BC-BD51B93E5F55}"/>
               </a:ext>
             </a:extLst>
           </p:cNvPr>
@@ -9180,7 +9791,7 @@
           <p:cNvPr id="3" name="Content Placeholder 2">
             <a:extLst>
               <a:ext uri="{FF2B5EF4-FFF2-40B4-BE49-F238E27FC236}">
-                <a16:creationId xmlns:a16="http://schemas.microsoft.com/office/drawing/2014/main" id="{BB3C8F96-FE6A-3011-92DF-7C65CE28F189}"/>
+                <a16:creationId xmlns:a16="http://schemas.microsoft.com/office/drawing/2014/main" id="{3AA6DC1A-CAC5-C7FD-FC7E-89F42C75C394}"/>
               </a:ext>
             </a:extLst>
           </p:cNvPr>
@@ -9205,19 +9816,39 @@
           <a:p>
             <a:r>
               <a:rPr lang="en-US" sz="1700" dirty="0"/>
-              <a:t>Course assignments require substantial advanced Python programming.</a:t>
-            </a:r>
-          </a:p>
-          <a:p>
+              <a:t>Course assignments require substantial advanced </a:t>
+            </a:r>
+            <a:r>
+              <a:rPr lang="en-US" sz="1700" b="1" dirty="0"/>
+              <a:t>Python</a:t>
+            </a:r>
             <a:r>
               <a:rPr lang="en-US" sz="1700" dirty="0"/>
-              <a:t>Students need practical knowledge of how to implement data structures and algorithms (Big-O notation, search trees).</a:t>
+              <a:t> programming.</a:t>
             </a:r>
           </a:p>
           <a:p>
             <a:r>
               <a:rPr lang="en-US" sz="1700" dirty="0"/>
-              <a:t>Students must have a working knowledge of probability theory and combinatorics. </a:t>
+              <a:t>Students need practical knowledge of how to implement </a:t>
+            </a:r>
+            <a:r>
+              <a:rPr lang="en-US" sz="1700" b="1" dirty="0"/>
+              <a:t>data structures and algorithms</a:t>
+            </a:r>
+            <a:r>
+              <a:rPr lang="en-US" sz="1700" dirty="0"/>
+              <a:t> (Big-O notation, search trees).</a:t>
+            </a:r>
+          </a:p>
+          <a:p>
+            <a:r>
+              <a:rPr lang="en-US" sz="1700" dirty="0"/>
+              <a:t>Students must have a working knowledge of </a:t>
+            </a:r>
+            <a:r>
+              <a:rPr lang="en-US" sz="1700" b="1" dirty="0"/>
+              <a:t>probability theory and combinatorics. </a:t>
             </a:r>
           </a:p>
           <a:p>
@@ -9234,7 +9865,7 @@
     </p:spTree>
     <p:extLst>
       <p:ext uri="{BB962C8B-B14F-4D97-AF65-F5344CB8AC3E}">
-        <p14:creationId xmlns:p14="http://schemas.microsoft.com/office/powerpoint/2010/main" val="211582762"/>
+        <p14:creationId xmlns:p14="http://schemas.microsoft.com/office/powerpoint/2010/main" val="2942483720"/>
       </p:ext>
     </p:extLst>
   </p:cSld>
